--- a/Carbon Emissions.pptx
+++ b/Carbon Emissions.pptx
@@ -2866,7 +2866,7 @@
           <a:p>
             <a:fld id="{CBFC8302-6100-4D3D-8DFE-935AFF486B72}" type="datetimeFigureOut">
               <a:rPr lang="en-US" smtClean="0"/>
-              <a:t>12/2/2019</a:t>
+              <a:t>12/3/2019</a:t>
             </a:fld>
             <a:endParaRPr lang="en-US"/>
           </a:p>
@@ -3151,7 +3151,7 @@
           <a:p>
             <a:fld id="{CBFC8302-6100-4D3D-8DFE-935AFF486B72}" type="datetimeFigureOut">
               <a:rPr lang="en-US" smtClean="0"/>
-              <a:t>12/2/2019</a:t>
+              <a:t>12/3/2019</a:t>
             </a:fld>
             <a:endParaRPr lang="en-US"/>
           </a:p>
@@ -3326,7 +3326,7 @@
           <a:p>
             <a:fld id="{CBFC8302-6100-4D3D-8DFE-935AFF486B72}" type="datetimeFigureOut">
               <a:rPr lang="en-US" smtClean="0"/>
-              <a:t>12/2/2019</a:t>
+              <a:t>12/3/2019</a:t>
             </a:fld>
             <a:endParaRPr lang="en-US"/>
           </a:p>
@@ -3491,7 +3491,7 @@
           <a:p>
             <a:fld id="{CBFC8302-6100-4D3D-8DFE-935AFF486B72}" type="datetimeFigureOut">
               <a:rPr lang="en-US" smtClean="0"/>
-              <a:t>12/2/2019</a:t>
+              <a:t>12/3/2019</a:t>
             </a:fld>
             <a:endParaRPr lang="en-US"/>
           </a:p>
@@ -3732,7 +3732,7 @@
           <a:p>
             <a:fld id="{CBFC8302-6100-4D3D-8DFE-935AFF486B72}" type="datetimeFigureOut">
               <a:rPr lang="en-US" smtClean="0"/>
-              <a:t>12/2/2019</a:t>
+              <a:t>12/3/2019</a:t>
             </a:fld>
             <a:endParaRPr lang="en-US"/>
           </a:p>
@@ -3845,7 +3845,7 @@
           <a:p>
             <a:fld id="{CBFC8302-6100-4D3D-8DFE-935AFF486B72}" type="datetimeFigureOut">
               <a:rPr lang="en-US" smtClean="0"/>
-              <a:t>12/2/2019</a:t>
+              <a:t>12/3/2019</a:t>
             </a:fld>
             <a:endParaRPr lang="en-US"/>
           </a:p>
@@ -4384,7 +4384,7 @@
           <a:p>
             <a:fld id="{CBFC8302-6100-4D3D-8DFE-935AFF486B72}" type="datetimeFigureOut">
               <a:rPr lang="en-US" smtClean="0"/>
-              <a:t>12/2/2019</a:t>
+              <a:t>12/3/2019</a:t>
             </a:fld>
             <a:endParaRPr lang="en-US"/>
           </a:p>
@@ -4497,7 +4497,7 @@
           <a:p>
             <a:fld id="{CBFC8302-6100-4D3D-8DFE-935AFF486B72}" type="datetimeFigureOut">
               <a:rPr lang="en-US" smtClean="0"/>
-              <a:t>12/2/2019</a:t>
+              <a:t>12/3/2019</a:t>
             </a:fld>
             <a:endParaRPr lang="en-US"/>
           </a:p>
@@ -4587,7 +4587,7 @@
           <a:p>
             <a:fld id="{CBFC8302-6100-4D3D-8DFE-935AFF486B72}" type="datetimeFigureOut">
               <a:rPr lang="en-US" smtClean="0"/>
-              <a:t>12/2/2019</a:t>
+              <a:t>12/3/2019</a:t>
             </a:fld>
             <a:endParaRPr lang="en-US"/>
           </a:p>
@@ -7238,7 +7238,7 @@
           <a:p>
             <a:fld id="{CBFC8302-6100-4D3D-8DFE-935AFF486B72}" type="datetimeFigureOut">
               <a:rPr lang="en-US" smtClean="0"/>
-              <a:t>12/2/2019</a:t>
+              <a:t>12/3/2019</a:t>
             </a:fld>
             <a:endParaRPr lang="en-US"/>
           </a:p>
@@ -10450,7 +10450,7 @@
           <a:p>
             <a:fld id="{CBFC8302-6100-4D3D-8DFE-935AFF486B72}" type="datetimeFigureOut">
               <a:rPr lang="en-US" smtClean="0"/>
-              <a:t>12/2/2019</a:t>
+              <a:t>12/3/2019</a:t>
             </a:fld>
             <a:endParaRPr lang="en-US"/>
           </a:p>
@@ -13272,7 +13272,7 @@
           <a:p>
             <a:fld id="{CBFC8302-6100-4D3D-8DFE-935AFF486B72}" type="datetimeFigureOut">
               <a:rPr lang="en-US" smtClean="0"/>
-              <a:t>12/2/2019</a:t>
+              <a:t>12/3/2019</a:t>
             </a:fld>
             <a:endParaRPr lang="en-US"/>
           </a:p>
@@ -13905,22 +13905,12 @@
             </a:r>
             <a:r>
               <a:rPr lang="en-US" sz="2600" dirty="0" smtClean="0"/>
-              <a:t>: Millions of Metric Tons</a:t>
+              <a:t>: Millions of Metric </a:t>
             </a:r>
-            <a:endParaRPr lang="en-US" sz="2600" dirty="0"/>
-          </a:p>
-          <a:p>
-            <a:pPr lvl="1"/>
             <a:r>
-              <a:rPr lang="en-US" dirty="0" smtClean="0"/>
-              <a:t>One ton of carbon as a balloon example</a:t>
+              <a:rPr lang="en-US" sz="2600" dirty="0" smtClean="0"/>
+              <a:t>Tons</a:t>
             </a:r>
-            <a:endParaRPr lang="en-US" dirty="0"/>
-          </a:p>
-          <a:p>
-            <a:pPr marL="457200" lvl="1" indent="0">
-              <a:buNone/>
-            </a:pPr>
             <a:endParaRPr lang="en-US" sz="2600" dirty="0"/>
           </a:p>
           <a:p>
@@ -14041,7 +14031,7 @@
         </p:nvSpPr>
         <p:spPr>
           <a:xfrm>
-            <a:off x="1043490" y="685800"/>
+            <a:off x="1066800" y="609600"/>
             <a:ext cx="7024744" cy="914400"/>
           </a:xfrm>
         </p:spPr>
@@ -14077,30 +14067,51 @@
         </p:spPr>
         <p:txBody>
           <a:bodyPr>
-            <a:normAutofit fontScale="92500"/>
+            <a:normAutofit/>
           </a:bodyPr>
           <a:lstStyle/>
           <a:p>
             <a:r>
-              <a:rPr lang="en-US" sz="2800" dirty="0" smtClean="0"/>
-              <a:t>Added population data from various sources, mainly US census information</a:t>
+              <a:rPr lang="en-US" sz="2600" dirty="0" smtClean="0"/>
+              <a:t>Added population data from </a:t>
+            </a:r>
+            <a:r>
+              <a:rPr lang="en-US" sz="2600" dirty="0" smtClean="0"/>
+              <a:t>US </a:t>
+            </a:r>
+            <a:r>
+              <a:rPr lang="en-US" sz="2600" dirty="0" smtClean="0"/>
+              <a:t>census information</a:t>
             </a:r>
           </a:p>
           <a:p>
-            <a:endParaRPr lang="en-US" sz="2800" dirty="0"/>
+            <a:endParaRPr lang="en-US" sz="2600" dirty="0"/>
           </a:p>
           <a:p>
             <a:r>
-              <a:rPr lang="en-US" sz="2800" dirty="0" smtClean="0"/>
-              <a:t>Allowed us to create new calculated fields </a:t>
+              <a:rPr lang="en-US" sz="2600" dirty="0" smtClean="0"/>
+              <a:t>Allowed us to create </a:t>
             </a:r>
+            <a:r>
+              <a:rPr lang="en-US" sz="2600" dirty="0" smtClean="0"/>
+              <a:t>a new </a:t>
+            </a:r>
+            <a:r>
+              <a:rPr lang="en-US" sz="2600" dirty="0" smtClean="0"/>
+              <a:t>calculated </a:t>
+            </a:r>
+            <a:r>
+              <a:rPr lang="en-US" sz="2600" dirty="0" smtClean="0"/>
+              <a:t>field</a:t>
+            </a:r>
+            <a:endParaRPr lang="en-US" sz="2600" dirty="0" smtClean="0"/>
           </a:p>
           <a:p>
-            <a:endParaRPr lang="en-US" sz="2800" dirty="0"/>
+            <a:endParaRPr lang="en-US" sz="2600" dirty="0"/>
           </a:p>
           <a:p>
             <a:r>
-              <a:rPr lang="en-US" sz="2800" dirty="0" smtClean="0"/>
+              <a:rPr lang="en-US" sz="2600" dirty="0" smtClean="0"/>
               <a:t>View the data from a different angle</a:t>
             </a:r>
           </a:p>
